--- a/TP1/apresentacao.pptx
+++ b/TP1/apresentacao.pptx
@@ -5,7 +5,7 @@
     <p:sldMasterId id="2147483648" r:id="rId1"/>
   </p:sldMasterIdLst>
   <p:notesMasterIdLst>
-    <p:notesMasterId r:id="rId10"/>
+    <p:notesMasterId r:id="rId9"/>
   </p:notesMasterIdLst>
   <p:sldIdLst>
     <p:sldId id="258" r:id="rId2"/>
@@ -15,7 +15,6 @@
     <p:sldId id="259" r:id="rId6"/>
     <p:sldId id="256" r:id="rId7"/>
     <p:sldId id="263" r:id="rId8"/>
-    <p:sldId id="262" r:id="rId9"/>
   </p:sldIdLst>
   <p:sldSz cx="12192000" cy="6858000"/>
   <p:notesSz cx="6858000" cy="9144000"/>
@@ -114,6 +113,11 @@
       </a:defRPr>
     </a:lvl9pPr>
   </p:defaultTextStyle>
+  <p:extLst>
+    <p:ext uri="{EFAFB233-063F-42B5-8137-9DF3F51BA10A}">
+      <p15:sldGuideLst xmlns:p15="http://schemas.microsoft.com/office/powerpoint/2012/main"/>
+    </p:ext>
+  </p:extLst>
 </p:presentation>
 </file>
 
@@ -199,7 +203,7 @@
           <a:p>
             <a:fld id="{7B141BD5-141A-49A4-A9B8-5ABE56A420BE}" type="datetimeFigureOut">
               <a:rPr lang="pt-PT" smtClean="0"/>
-              <a:t>09/05/2021</a:t>
+              <a:t>09/05/21</a:t>
             </a:fld>
             <a:endParaRPr lang="pt-PT"/>
           </a:p>
@@ -357,7 +361,7 @@
           <a:p>
             <a:fld id="{A083F440-723E-4699-9883-BD5B84E05C3A}" type="slidenum">
               <a:rPr lang="pt-PT" smtClean="0"/>
-              <a:t>‹nº›</a:t>
+              <a:t>‹#›</a:t>
             </a:fld>
             <a:endParaRPr lang="pt-PT"/>
           </a:p>
@@ -970,7 +974,7 @@
           <a:p>
             <a:fld id="{7F189B16-5084-424A-81CC-3EAFCCB721D7}" type="datetimeFigureOut">
               <a:rPr lang="pt-PT" smtClean="0"/>
-              <a:t>09/05/2021</a:t>
+              <a:t>09/05/21</a:t>
             </a:fld>
             <a:endParaRPr lang="pt-PT"/>
           </a:p>
@@ -1024,7 +1028,7 @@
           <a:p>
             <a:fld id="{127B508D-DDF7-445B-A8A6-C9B46D86C9AA}" type="slidenum">
               <a:rPr lang="pt-PT" smtClean="0"/>
-              <a:t>‹nº›</a:t>
+              <a:t>‹#›</a:t>
             </a:fld>
             <a:endParaRPr lang="pt-PT"/>
           </a:p>
@@ -1168,7 +1172,7 @@
           <a:p>
             <a:fld id="{7F189B16-5084-424A-81CC-3EAFCCB721D7}" type="datetimeFigureOut">
               <a:rPr lang="pt-PT" smtClean="0"/>
-              <a:t>09/05/2021</a:t>
+              <a:t>09/05/21</a:t>
             </a:fld>
             <a:endParaRPr lang="pt-PT"/>
           </a:p>
@@ -1222,7 +1226,7 @@
           <a:p>
             <a:fld id="{127B508D-DDF7-445B-A8A6-C9B46D86C9AA}" type="slidenum">
               <a:rPr lang="pt-PT" smtClean="0"/>
-              <a:t>‹nº›</a:t>
+              <a:t>‹#›</a:t>
             </a:fld>
             <a:endParaRPr lang="pt-PT"/>
           </a:p>
@@ -1376,7 +1380,7 @@
           <a:p>
             <a:fld id="{7F189B16-5084-424A-81CC-3EAFCCB721D7}" type="datetimeFigureOut">
               <a:rPr lang="pt-PT" smtClean="0"/>
-              <a:t>09/05/2021</a:t>
+              <a:t>09/05/21</a:t>
             </a:fld>
             <a:endParaRPr lang="pt-PT"/>
           </a:p>
@@ -1430,7 +1434,7 @@
           <a:p>
             <a:fld id="{127B508D-DDF7-445B-A8A6-C9B46D86C9AA}" type="slidenum">
               <a:rPr lang="pt-PT" smtClean="0"/>
-              <a:t>‹nº›</a:t>
+              <a:t>‹#›</a:t>
             </a:fld>
             <a:endParaRPr lang="pt-PT"/>
           </a:p>
@@ -1574,7 +1578,7 @@
           <a:p>
             <a:fld id="{7F189B16-5084-424A-81CC-3EAFCCB721D7}" type="datetimeFigureOut">
               <a:rPr lang="pt-PT" smtClean="0"/>
-              <a:t>09/05/2021</a:t>
+              <a:t>09/05/21</a:t>
             </a:fld>
             <a:endParaRPr lang="pt-PT"/>
           </a:p>
@@ -1628,7 +1632,7 @@
           <a:p>
             <a:fld id="{127B508D-DDF7-445B-A8A6-C9B46D86C9AA}" type="slidenum">
               <a:rPr lang="pt-PT" smtClean="0"/>
-              <a:t>‹nº›</a:t>
+              <a:t>‹#›</a:t>
             </a:fld>
             <a:endParaRPr lang="pt-PT"/>
           </a:p>
@@ -1849,7 +1853,7 @@
           <a:p>
             <a:fld id="{7F189B16-5084-424A-81CC-3EAFCCB721D7}" type="datetimeFigureOut">
               <a:rPr lang="pt-PT" smtClean="0"/>
-              <a:t>09/05/2021</a:t>
+              <a:t>09/05/21</a:t>
             </a:fld>
             <a:endParaRPr lang="pt-PT"/>
           </a:p>
@@ -1903,7 +1907,7 @@
           <a:p>
             <a:fld id="{127B508D-DDF7-445B-A8A6-C9B46D86C9AA}" type="slidenum">
               <a:rPr lang="pt-PT" smtClean="0"/>
-              <a:t>‹nº›</a:t>
+              <a:t>‹#›</a:t>
             </a:fld>
             <a:endParaRPr lang="pt-PT"/>
           </a:p>
@@ -2114,7 +2118,7 @@
           <a:p>
             <a:fld id="{7F189B16-5084-424A-81CC-3EAFCCB721D7}" type="datetimeFigureOut">
               <a:rPr lang="pt-PT" smtClean="0"/>
-              <a:t>09/05/2021</a:t>
+              <a:t>09/05/21</a:t>
             </a:fld>
             <a:endParaRPr lang="pt-PT"/>
           </a:p>
@@ -2168,7 +2172,7 @@
           <a:p>
             <a:fld id="{127B508D-DDF7-445B-A8A6-C9B46D86C9AA}" type="slidenum">
               <a:rPr lang="pt-PT" smtClean="0"/>
-              <a:t>‹nº›</a:t>
+              <a:t>‹#›</a:t>
             </a:fld>
             <a:endParaRPr lang="pt-PT"/>
           </a:p>
@@ -2526,7 +2530,7 @@
           <a:p>
             <a:fld id="{7F189B16-5084-424A-81CC-3EAFCCB721D7}" type="datetimeFigureOut">
               <a:rPr lang="pt-PT" smtClean="0"/>
-              <a:t>09/05/2021</a:t>
+              <a:t>09/05/21</a:t>
             </a:fld>
             <a:endParaRPr lang="pt-PT"/>
           </a:p>
@@ -2580,7 +2584,7 @@
           <a:p>
             <a:fld id="{127B508D-DDF7-445B-A8A6-C9B46D86C9AA}" type="slidenum">
               <a:rPr lang="pt-PT" smtClean="0"/>
-              <a:t>‹nº›</a:t>
+              <a:t>‹#›</a:t>
             </a:fld>
             <a:endParaRPr lang="pt-PT"/>
           </a:p>
@@ -2667,7 +2671,7 @@
           <a:p>
             <a:fld id="{7F189B16-5084-424A-81CC-3EAFCCB721D7}" type="datetimeFigureOut">
               <a:rPr lang="pt-PT" smtClean="0"/>
-              <a:t>09/05/2021</a:t>
+              <a:t>09/05/21</a:t>
             </a:fld>
             <a:endParaRPr lang="pt-PT"/>
           </a:p>
@@ -2721,7 +2725,7 @@
           <a:p>
             <a:fld id="{127B508D-DDF7-445B-A8A6-C9B46D86C9AA}" type="slidenum">
               <a:rPr lang="pt-PT" smtClean="0"/>
-              <a:t>‹nº›</a:t>
+              <a:t>‹#›</a:t>
             </a:fld>
             <a:endParaRPr lang="pt-PT"/>
           </a:p>
@@ -2780,7 +2784,7 @@
           <a:p>
             <a:fld id="{7F189B16-5084-424A-81CC-3EAFCCB721D7}" type="datetimeFigureOut">
               <a:rPr lang="pt-PT" smtClean="0"/>
-              <a:t>09/05/2021</a:t>
+              <a:t>09/05/21</a:t>
             </a:fld>
             <a:endParaRPr lang="pt-PT"/>
           </a:p>
@@ -2834,7 +2838,7 @@
           <a:p>
             <a:fld id="{127B508D-DDF7-445B-A8A6-C9B46D86C9AA}" type="slidenum">
               <a:rPr lang="pt-PT" smtClean="0"/>
-              <a:t>‹nº›</a:t>
+              <a:t>‹#›</a:t>
             </a:fld>
             <a:endParaRPr lang="pt-PT"/>
           </a:p>
@@ -3091,7 +3095,7 @@
           <a:p>
             <a:fld id="{7F189B16-5084-424A-81CC-3EAFCCB721D7}" type="datetimeFigureOut">
               <a:rPr lang="pt-PT" smtClean="0"/>
-              <a:t>09/05/2021</a:t>
+              <a:t>09/05/21</a:t>
             </a:fld>
             <a:endParaRPr lang="pt-PT"/>
           </a:p>
@@ -3145,7 +3149,7 @@
           <a:p>
             <a:fld id="{127B508D-DDF7-445B-A8A6-C9B46D86C9AA}" type="slidenum">
               <a:rPr lang="pt-PT" smtClean="0"/>
-              <a:t>‹nº›</a:t>
+              <a:t>‹#›</a:t>
             </a:fld>
             <a:endParaRPr lang="pt-PT"/>
           </a:p>
@@ -3379,7 +3383,7 @@
           <a:p>
             <a:fld id="{7F189B16-5084-424A-81CC-3EAFCCB721D7}" type="datetimeFigureOut">
               <a:rPr lang="pt-PT" smtClean="0"/>
-              <a:t>09/05/2021</a:t>
+              <a:t>09/05/21</a:t>
             </a:fld>
             <a:endParaRPr lang="pt-PT"/>
           </a:p>
@@ -3433,7 +3437,7 @@
           <a:p>
             <a:fld id="{127B508D-DDF7-445B-A8A6-C9B46D86C9AA}" type="slidenum">
               <a:rPr lang="pt-PT" smtClean="0"/>
-              <a:t>‹nº›</a:t>
+              <a:t>‹#›</a:t>
             </a:fld>
             <a:endParaRPr lang="pt-PT"/>
           </a:p>
@@ -3620,7 +3624,7 @@
           <a:p>
             <a:fld id="{7F189B16-5084-424A-81CC-3EAFCCB721D7}" type="datetimeFigureOut">
               <a:rPr lang="pt-PT" smtClean="0"/>
-              <a:t>09/05/2021</a:t>
+              <a:t>09/05/21</a:t>
             </a:fld>
             <a:endParaRPr lang="pt-PT"/>
           </a:p>
@@ -3710,7 +3714,7 @@
           <a:p>
             <a:fld id="{127B508D-DDF7-445B-A8A6-C9B46D86C9AA}" type="slidenum">
               <a:rPr lang="pt-PT" smtClean="0"/>
-              <a:t>‹nº›</a:t>
+              <a:t>‹#›</a:t>
             </a:fld>
             <a:endParaRPr lang="pt-PT"/>
           </a:p>
@@ -4542,10 +4546,10 @@
       </p:grpSpPr>
       <p:pic>
         <p:nvPicPr>
-          <p:cNvPr id="9" name="Imagem 8">
-            <a:extLst>
-              <a:ext uri="{FF2B5EF4-FFF2-40B4-BE49-F238E27FC236}">
-                <a16:creationId xmlns:a16="http://schemas.microsoft.com/office/drawing/2014/main" id="{8CDADF0E-AF99-4EC8-A622-3983946DB19A}"/>
+          <p:cNvPr id="11" name="Imagem 10">
+            <a:extLst>
+              <a:ext uri="{FF2B5EF4-FFF2-40B4-BE49-F238E27FC236}">
+                <a16:creationId xmlns:a16="http://schemas.microsoft.com/office/drawing/2014/main" id="{48DB6C5E-129E-4222-8569-A31480DBBA80}"/>
               </a:ext>
             </a:extLst>
           </p:cNvPr>
@@ -4556,36 +4560,6 @@
         </p:nvPicPr>
         <p:blipFill>
           <a:blip r:embed="rId2"/>
-          <a:stretch>
-            <a:fillRect/>
-          </a:stretch>
-        </p:blipFill>
-        <p:spPr>
-          <a:xfrm>
-            <a:off x="1304925" y="2062119"/>
-            <a:ext cx="4300537" cy="3362238"/>
-          </a:xfrm>
-          <a:prstGeom prst="rect">
-            <a:avLst/>
-          </a:prstGeom>
-        </p:spPr>
-      </p:pic>
-      <p:pic>
-        <p:nvPicPr>
-          <p:cNvPr id="11" name="Imagem 10">
-            <a:extLst>
-              <a:ext uri="{FF2B5EF4-FFF2-40B4-BE49-F238E27FC236}">
-                <a16:creationId xmlns:a16="http://schemas.microsoft.com/office/drawing/2014/main" id="{48DB6C5E-129E-4222-8569-A31480DBBA80}"/>
-              </a:ext>
-            </a:extLst>
-          </p:cNvPr>
-          <p:cNvPicPr>
-            <a:picLocks noChangeAspect="1"/>
-          </p:cNvPicPr>
-          <p:nvPr/>
-        </p:nvPicPr>
-        <p:blipFill>
-          <a:blip r:embed="rId3"/>
           <a:stretch>
             <a:fillRect/>
           </a:stretch>
@@ -4636,6 +4610,42 @@
           </a:p>
         </p:txBody>
       </p:sp>
+      <p:pic>
+        <p:nvPicPr>
+          <p:cNvPr id="5" name="Picture 4" descr="Text&#10;&#10;Description automatically generated">
+            <a:extLst>
+              <a:ext uri="{FF2B5EF4-FFF2-40B4-BE49-F238E27FC236}">
+                <a16:creationId xmlns:a16="http://schemas.microsoft.com/office/drawing/2014/main" id="{35C0DF0A-B7B7-1144-8877-5D6F877DFDA4}"/>
+              </a:ext>
+            </a:extLst>
+          </p:cNvPr>
+          <p:cNvPicPr>
+            <a:picLocks noChangeAspect="1"/>
+          </p:cNvPicPr>
+          <p:nvPr/>
+        </p:nvPicPr>
+        <p:blipFill>
+          <a:blip r:embed="rId3">
+            <a:extLst>
+              <a:ext uri="{28A0092B-C50C-407E-A947-70E740481C1C}">
+                <a14:useLocalDpi xmlns:a14="http://schemas.microsoft.com/office/drawing/2010/main" val="0"/>
+              </a:ext>
+            </a:extLst>
+          </a:blip>
+          <a:stretch>
+            <a:fillRect/>
+          </a:stretch>
+        </p:blipFill>
+        <p:spPr>
+          <a:xfrm>
+            <a:off x="1161295" y="2441488"/>
+            <a:ext cx="3987800" cy="2603500"/>
+          </a:xfrm>
+          <a:prstGeom prst="rect">
+            <a:avLst/>
+          </a:prstGeom>
+        </p:spPr>
+      </p:pic>
     </p:spTree>
     <p:extLst>
       <p:ext uri="{BB962C8B-B14F-4D97-AF65-F5344CB8AC3E}">
@@ -5312,8 +5322,8 @@
         </p:nvSpPr>
         <p:spPr>
           <a:xfrm>
-            <a:off x="1604126" y="867265"/>
-            <a:ext cx="8567395" cy="2400657"/>
+            <a:off x="1524995" y="1138974"/>
+            <a:ext cx="8567395" cy="6555641"/>
           </a:xfrm>
           <a:prstGeom prst="rect">
             <a:avLst/>
@@ -5326,6 +5336,7 @@
           </a:bodyPr>
           <a:lstStyle/>
           <a:p>
+            <a:pPr algn="ctr"/>
             <a:r>
               <a:rPr lang="pt-PT" sz="2400" b="1" dirty="0">
                 <a:solidFill>
@@ -5335,7 +5346,137 @@
                   </a:schemeClr>
                 </a:solidFill>
               </a:rPr>
-              <a:t>Pros</a:t>
+              <a:t>Características</a:t>
+            </a:r>
+          </a:p>
+          <a:p>
+            <a:pPr algn="ctr"/>
+            <a:endParaRPr lang="pt-PT" dirty="0"/>
+          </a:p>
+          <a:p>
+            <a:endParaRPr lang="pt-PT" dirty="0"/>
+          </a:p>
+          <a:p>
+            <a:endParaRPr lang="pt-PT" dirty="0"/>
+          </a:p>
+          <a:p>
+            <a:pPr marL="285750" indent="-285750">
+              <a:buFont typeface="Arial" panose="020B0604020202020204" pitchFamily="34" charset="0"/>
+              <a:buChar char="•"/>
+            </a:pPr>
+            <a:r>
+              <a:rPr lang="pt-PT" dirty="0" err="1"/>
+              <a:t>Micro-Framework</a:t>
+            </a:r>
+            <a:endParaRPr lang="pt-PT" dirty="0"/>
+          </a:p>
+          <a:p>
+            <a:pPr marL="285750" indent="-285750">
+              <a:buFont typeface="Arial" panose="020B0604020202020204" pitchFamily="34" charset="0"/>
+              <a:buChar char="•"/>
+            </a:pPr>
+            <a:endParaRPr lang="pt-PT" dirty="0"/>
+          </a:p>
+          <a:p>
+            <a:pPr marL="285750" indent="-285750">
+              <a:buFont typeface="Arial" panose="020B0604020202020204" pitchFamily="34" charset="0"/>
+              <a:buChar char="•"/>
+            </a:pPr>
+            <a:r>
+              <a:rPr lang="pt-PT" dirty="0"/>
+              <a:t>Uso fácil.</a:t>
+            </a:r>
+          </a:p>
+          <a:p>
+            <a:pPr marL="285750" indent="-285750">
+              <a:buFont typeface="Arial" panose="020B0604020202020204" pitchFamily="34" charset="0"/>
+              <a:buChar char="•"/>
+            </a:pPr>
+            <a:endParaRPr lang="pt-PT" dirty="0"/>
+          </a:p>
+          <a:p>
+            <a:pPr marL="285750" indent="-285750">
+              <a:buFont typeface="Arial" panose="020B0604020202020204" pitchFamily="34" charset="0"/>
+              <a:buChar char="•"/>
+            </a:pPr>
+            <a:r>
+              <a:rPr lang="pt-PT" dirty="0"/>
+              <a:t>Simples e flexível.</a:t>
+            </a:r>
+          </a:p>
+          <a:p>
+            <a:endParaRPr lang="pt-PT" dirty="0"/>
+          </a:p>
+          <a:p>
+            <a:pPr marL="285750" indent="-285750">
+              <a:buFont typeface="Arial" panose="020B0604020202020204" pitchFamily="34" charset="0"/>
+              <a:buChar char="•"/>
+            </a:pPr>
+            <a:r>
+              <a:rPr lang="pt-PT" dirty="0"/>
+              <a:t>O programador tem controlo total sobre a arquitetura da aplicação.</a:t>
+            </a:r>
+          </a:p>
+          <a:p>
+            <a:pPr marL="285750" indent="-285750">
+              <a:buFont typeface="Arial" panose="020B0604020202020204" pitchFamily="34" charset="0"/>
+              <a:buChar char="•"/>
+            </a:pPr>
+            <a:endParaRPr lang="pt-PT" dirty="0"/>
+          </a:p>
+          <a:p>
+            <a:pPr marL="285750" indent="-285750">
+              <a:buFont typeface="Arial" panose="020B0604020202020204" pitchFamily="34" charset="0"/>
+              <a:buChar char="•"/>
+            </a:pPr>
+            <a:r>
+              <a:rPr lang="pt-PT" dirty="0"/>
+              <a:t>Suporta o motor de </a:t>
+            </a:r>
+            <a:r>
+              <a:rPr lang="pt-PT" dirty="0" err="1"/>
+              <a:t>templates</a:t>
+            </a:r>
+            <a:r>
+              <a:rPr lang="pt-PT" dirty="0"/>
+              <a:t> jinja2.</a:t>
+            </a:r>
+          </a:p>
+          <a:p>
+            <a:endParaRPr lang="pt-PT" dirty="0"/>
+          </a:p>
+          <a:p>
+            <a:pPr marL="285750" indent="-285750">
+              <a:buFont typeface="Arial" panose="020B0604020202020204" pitchFamily="34" charset="0"/>
+              <a:buChar char="•"/>
+            </a:pPr>
+            <a:r>
+              <a:rPr lang="pt-PT" dirty="0"/>
+              <a:t>Ideal para </a:t>
+            </a:r>
+            <a:r>
+              <a:rPr lang="pt-PT" dirty="0" err="1"/>
+              <a:t>prototyping</a:t>
+            </a:r>
+            <a:r>
+              <a:rPr lang="pt-PT" dirty="0"/>
+              <a:t> e SPA (Single </a:t>
+            </a:r>
+            <a:r>
+              <a:rPr lang="pt-PT" dirty="0" err="1"/>
+              <a:t>Page</a:t>
+            </a:r>
+            <a:r>
+              <a:rPr lang="pt-PT" dirty="0"/>
+              <a:t> </a:t>
+            </a:r>
+            <a:r>
+              <a:rPr lang="pt-PT" dirty="0" err="1"/>
+              <a:t>Applications</a:t>
+            </a:r>
+            <a:r>
+              <a:rPr lang="pt-PT" dirty="0"/>
+              <a:t>).</a:t>
             </a:r>
             <a:br>
               <a:rPr lang="pt-PT" dirty="0"/>
@@ -5347,12 +5488,6 @@
               <a:buFont typeface="Arial" panose="020B0604020202020204" pitchFamily="34" charset="0"/>
               <a:buChar char="•"/>
             </a:pPr>
-            <a:r>
-              <a:rPr lang="pt-PT" dirty="0"/>
-              <a:t>Simples e fácil</a:t>
-            </a:r>
-          </a:p>
-          <a:p>
             <a:endParaRPr lang="pt-PT" dirty="0"/>
           </a:p>
           <a:p>
@@ -5360,12 +5495,6 @@
               <a:buFont typeface="Arial" panose="020B0604020202020204" pitchFamily="34" charset="0"/>
               <a:buChar char="•"/>
             </a:pPr>
-            <a:r>
-              <a:rPr lang="pt-PT" dirty="0"/>
-              <a:t>Não requer nem faz uso de estrutura de ficheiros </a:t>
-            </a:r>
-          </a:p>
-          <a:p>
             <a:endParaRPr lang="pt-PT" dirty="0"/>
           </a:p>
           <a:p>
@@ -5373,18 +5502,23 @@
               <a:buFont typeface="Arial" panose="020B0604020202020204" pitchFamily="34" charset="0"/>
               <a:buChar char="•"/>
             </a:pPr>
-            <a:r>
-              <a:rPr lang="pt-PT" dirty="0"/>
-              <a:t>Suporta o motor de </a:t>
-            </a:r>
-            <a:r>
-              <a:rPr lang="pt-PT" dirty="0" err="1"/>
-              <a:t>templates</a:t>
-            </a:r>
-            <a:r>
-              <a:rPr lang="pt-PT" dirty="0"/>
-              <a:t> jinja2</a:t>
-            </a:r>
+            <a:endParaRPr lang="pt-PT" dirty="0"/>
+          </a:p>
+          <a:p>
+            <a:pPr marL="285750" indent="-285750">
+              <a:buFont typeface="Arial" panose="020B0604020202020204" pitchFamily="34" charset="0"/>
+              <a:buChar char="•"/>
+            </a:pPr>
+            <a:endParaRPr lang="pt-PT" dirty="0"/>
+          </a:p>
+          <a:p>
+            <a:pPr marL="285750" indent="-285750">
+              <a:buFont typeface="Arial" panose="020B0604020202020204" pitchFamily="34" charset="0"/>
+              <a:buChar char="•"/>
+            </a:pPr>
+            <a:endParaRPr lang="pt-PT" dirty="0"/>
+          </a:p>
+          <a:p>
             <a:br>
               <a:rPr lang="pt-PT" dirty="0"/>
             </a:br>
@@ -5392,204 +5526,10 @@
           </a:p>
         </p:txBody>
       </p:sp>
-      <p:sp>
-        <p:nvSpPr>
-          <p:cNvPr id="5" name="CaixaDeTexto 4">
-            <a:extLst>
-              <a:ext uri="{FF2B5EF4-FFF2-40B4-BE49-F238E27FC236}">
-                <a16:creationId xmlns:a16="http://schemas.microsoft.com/office/drawing/2014/main" id="{8EDABBF8-874A-4F77-B1BB-05CB904AA6BD}"/>
-              </a:ext>
-            </a:extLst>
-          </p:cNvPr>
-          <p:cNvSpPr txBox="1"/>
-          <p:nvPr/>
-        </p:nvSpPr>
-        <p:spPr>
-          <a:xfrm>
-            <a:off x="1604126" y="3482758"/>
-            <a:ext cx="9396954" cy="2400657"/>
-          </a:xfrm>
-          <a:prstGeom prst="rect">
-            <a:avLst/>
-          </a:prstGeom>
-          <a:noFill/>
-        </p:spPr>
-        <p:txBody>
-          <a:bodyPr wrap="square" rtlCol="0">
-            <a:spAutoFit/>
-          </a:bodyPr>
-          <a:lstStyle/>
-          <a:p>
-            <a:r>
-              <a:rPr lang="pt-PT" sz="2400" b="1" dirty="0" err="1">
-                <a:solidFill>
-                  <a:schemeClr val="accent2">
-                    <a:lumMod val="60000"/>
-                    <a:lumOff val="40000"/>
-                  </a:schemeClr>
-                </a:solidFill>
-              </a:rPr>
-              <a:t>Cons</a:t>
-            </a:r>
-            <a:br>
-              <a:rPr lang="pt-PT" dirty="0"/>
-            </a:br>
-            <a:endParaRPr lang="pt-PT" dirty="0"/>
-          </a:p>
-          <a:p>
-            <a:pPr marL="285750" indent="-285750">
-              <a:buFont typeface="Arial" panose="020B0604020202020204" pitchFamily="34" charset="0"/>
-              <a:buChar char="•"/>
-            </a:pPr>
-            <a:r>
-              <a:rPr lang="pt-PT" dirty="0"/>
-              <a:t>Trata pedidos sequencialmente</a:t>
-            </a:r>
-          </a:p>
-          <a:p>
-            <a:endParaRPr lang="pt-PT" dirty="0"/>
-          </a:p>
-          <a:p>
-            <a:pPr marL="285750" indent="-285750">
-              <a:buFont typeface="Arial" panose="020B0604020202020204" pitchFamily="34" charset="0"/>
-              <a:buChar char="•"/>
-            </a:pPr>
-            <a:r>
-              <a:rPr lang="pt-PT" dirty="0"/>
-              <a:t>Organização e segurança cai no programador</a:t>
-            </a:r>
-          </a:p>
-          <a:p>
-            <a:endParaRPr lang="pt-PT" dirty="0"/>
-          </a:p>
-          <a:p>
-            <a:pPr marL="285750" indent="-285750">
-              <a:buFont typeface="Arial" panose="020B0604020202020204" pitchFamily="34" charset="0"/>
-              <a:buChar char="•"/>
-            </a:pPr>
-            <a:r>
-              <a:rPr lang="en-GB" dirty="0" err="1"/>
-              <a:t>Não</a:t>
-            </a:r>
-            <a:r>
-              <a:rPr lang="en-GB" dirty="0"/>
-              <a:t> </a:t>
-            </a:r>
-            <a:r>
-              <a:rPr lang="en-GB" dirty="0" err="1"/>
-              <a:t>possui</a:t>
-            </a:r>
-            <a:r>
-              <a:rPr lang="en-GB" dirty="0"/>
-              <a:t> built in support para databases connection</a:t>
-            </a:r>
-            <a:br>
-              <a:rPr lang="pt-PT" dirty="0"/>
-            </a:br>
-            <a:endParaRPr lang="pt-PT" dirty="0"/>
-          </a:p>
-        </p:txBody>
-      </p:sp>
     </p:spTree>
     <p:extLst>
       <p:ext uri="{BB962C8B-B14F-4D97-AF65-F5344CB8AC3E}">
         <p14:creationId xmlns:p14="http://schemas.microsoft.com/office/powerpoint/2010/main" val="2490550638"/>
-      </p:ext>
-    </p:extLst>
-  </p:cSld>
-  <p:clrMapOvr>
-    <a:masterClrMapping/>
-  </p:clrMapOvr>
-</p:sld>
-</file>
-
-<file path=ppt/slides/slide8.xml><?xml version="1.0" encoding="utf-8"?>
-<p:sld xmlns:a="http://schemas.openxmlformats.org/drawingml/2006/main" xmlns:r="http://schemas.openxmlformats.org/officeDocument/2006/relationships" xmlns:p="http://schemas.openxmlformats.org/presentationml/2006/main">
-  <p:cSld>
-    <p:spTree>
-      <p:nvGrpSpPr>
-        <p:cNvPr id="1" name=""/>
-        <p:cNvGrpSpPr/>
-        <p:nvPr/>
-      </p:nvGrpSpPr>
-      <p:grpSpPr>
-        <a:xfrm>
-          <a:off x="0" y="0"/>
-          <a:ext cx="0" cy="0"/>
-          <a:chOff x="0" y="0"/>
-          <a:chExt cx="0" cy="0"/>
-        </a:xfrm>
-      </p:grpSpPr>
-      <p:sp>
-        <p:nvSpPr>
-          <p:cNvPr id="12" name="CaixaDeTexto 11">
-            <a:extLst>
-              <a:ext uri="{FF2B5EF4-FFF2-40B4-BE49-F238E27FC236}">
-                <a16:creationId xmlns:a16="http://schemas.microsoft.com/office/drawing/2014/main" id="{6B208FAA-6B5E-4D96-BE0E-B2F1ACB2728A}"/>
-              </a:ext>
-            </a:extLst>
-          </p:cNvPr>
-          <p:cNvSpPr txBox="1"/>
-          <p:nvPr/>
-        </p:nvSpPr>
-        <p:spPr>
-          <a:xfrm>
-            <a:off x="1036948" y="607872"/>
-            <a:ext cx="1286186" cy="400110"/>
-          </a:xfrm>
-          <a:prstGeom prst="rect">
-            <a:avLst/>
-          </a:prstGeom>
-          <a:noFill/>
-        </p:spPr>
-        <p:txBody>
-          <a:bodyPr wrap="none" rtlCol="0">
-            <a:spAutoFit/>
-          </a:bodyPr>
-          <a:lstStyle/>
-          <a:p>
-            <a:r>
-              <a:rPr lang="pt-PT" sz="2000" b="1" dirty="0"/>
-              <a:t>Exemplo 1</a:t>
-            </a:r>
-            <a:endParaRPr lang="pt-PT" b="1" dirty="0"/>
-          </a:p>
-        </p:txBody>
-      </p:sp>
-      <p:pic>
-        <p:nvPicPr>
-          <p:cNvPr id="3" name="Imagem 2">
-            <a:extLst>
-              <a:ext uri="{FF2B5EF4-FFF2-40B4-BE49-F238E27FC236}">
-                <a16:creationId xmlns:a16="http://schemas.microsoft.com/office/drawing/2014/main" id="{84E16412-6739-42A7-BC48-175E1B82BC0E}"/>
-              </a:ext>
-            </a:extLst>
-          </p:cNvPr>
-          <p:cNvPicPr>
-            <a:picLocks noChangeAspect="1"/>
-          </p:cNvPicPr>
-          <p:nvPr/>
-        </p:nvPicPr>
-        <p:blipFill>
-          <a:blip r:embed="rId2"/>
-          <a:stretch>
-            <a:fillRect/>
-          </a:stretch>
-        </p:blipFill>
-        <p:spPr>
-          <a:xfrm>
-            <a:off x="4101515" y="2038350"/>
-            <a:ext cx="3988970" cy="2781300"/>
-          </a:xfrm>
-          <a:prstGeom prst="rect">
-            <a:avLst/>
-          </a:prstGeom>
-        </p:spPr>
-      </p:pic>
-    </p:spTree>
-    <p:extLst>
-      <p:ext uri="{BB962C8B-B14F-4D97-AF65-F5344CB8AC3E}">
-        <p14:creationId xmlns:p14="http://schemas.microsoft.com/office/powerpoint/2010/main" val="994305831"/>
       </p:ext>
     </p:extLst>
   </p:cSld>

--- a/TP1/apresentacao.pptx
+++ b/TP1/apresentacao.pptx
@@ -5,7 +5,7 @@
     <p:sldMasterId id="2147483648" r:id="rId1"/>
   </p:sldMasterIdLst>
   <p:notesMasterIdLst>
-    <p:notesMasterId r:id="rId9"/>
+    <p:notesMasterId r:id="rId10"/>
   </p:notesMasterIdLst>
   <p:sldIdLst>
     <p:sldId id="258" r:id="rId2"/>
@@ -13,8 +13,9 @@
     <p:sldId id="261" r:id="rId4"/>
     <p:sldId id="257" r:id="rId5"/>
     <p:sldId id="259" r:id="rId6"/>
-    <p:sldId id="256" r:id="rId7"/>
-    <p:sldId id="263" r:id="rId8"/>
+    <p:sldId id="264" r:id="rId7"/>
+    <p:sldId id="256" r:id="rId8"/>
+    <p:sldId id="263" r:id="rId9"/>
   </p:sldIdLst>
   <p:sldSz cx="12192000" cy="6858000"/>
   <p:notesSz cx="6858000" cy="9144000"/>
@@ -203,7 +204,7 @@
           <a:p>
             <a:fld id="{7B141BD5-141A-49A4-A9B8-5ABE56A420BE}" type="datetimeFigureOut">
               <a:rPr lang="pt-PT" smtClean="0"/>
-              <a:t>09/05/21</a:t>
+              <a:t>10/05/2021</a:t>
             </a:fld>
             <a:endParaRPr lang="pt-PT"/>
           </a:p>
@@ -361,7 +362,7 @@
           <a:p>
             <a:fld id="{A083F440-723E-4699-9883-BD5B84E05C3A}" type="slidenum">
               <a:rPr lang="pt-PT" smtClean="0"/>
-              <a:t>‹#›</a:t>
+              <a:t>‹nº›</a:t>
             </a:fld>
             <a:endParaRPr lang="pt-PT"/>
           </a:p>
@@ -808,7 +809,7 @@
           <a:p>
             <a:fld id="{A083F440-723E-4699-9883-BD5B84E05C3A}" type="slidenum">
               <a:rPr lang="pt-PT" smtClean="0"/>
-              <a:t>6</a:t>
+              <a:t>7</a:t>
             </a:fld>
             <a:endParaRPr lang="pt-PT"/>
           </a:p>
@@ -974,7 +975,7 @@
           <a:p>
             <a:fld id="{7F189B16-5084-424A-81CC-3EAFCCB721D7}" type="datetimeFigureOut">
               <a:rPr lang="pt-PT" smtClean="0"/>
-              <a:t>09/05/21</a:t>
+              <a:t>10/05/2021</a:t>
             </a:fld>
             <a:endParaRPr lang="pt-PT"/>
           </a:p>
@@ -1028,7 +1029,7 @@
           <a:p>
             <a:fld id="{127B508D-DDF7-445B-A8A6-C9B46D86C9AA}" type="slidenum">
               <a:rPr lang="pt-PT" smtClean="0"/>
-              <a:t>‹#›</a:t>
+              <a:t>‹nº›</a:t>
             </a:fld>
             <a:endParaRPr lang="pt-PT"/>
           </a:p>
@@ -1172,7 +1173,7 @@
           <a:p>
             <a:fld id="{7F189B16-5084-424A-81CC-3EAFCCB721D7}" type="datetimeFigureOut">
               <a:rPr lang="pt-PT" smtClean="0"/>
-              <a:t>09/05/21</a:t>
+              <a:t>10/05/2021</a:t>
             </a:fld>
             <a:endParaRPr lang="pt-PT"/>
           </a:p>
@@ -1226,7 +1227,7 @@
           <a:p>
             <a:fld id="{127B508D-DDF7-445B-A8A6-C9B46D86C9AA}" type="slidenum">
               <a:rPr lang="pt-PT" smtClean="0"/>
-              <a:t>‹#›</a:t>
+              <a:t>‹nº›</a:t>
             </a:fld>
             <a:endParaRPr lang="pt-PT"/>
           </a:p>
@@ -1380,7 +1381,7 @@
           <a:p>
             <a:fld id="{7F189B16-5084-424A-81CC-3EAFCCB721D7}" type="datetimeFigureOut">
               <a:rPr lang="pt-PT" smtClean="0"/>
-              <a:t>09/05/21</a:t>
+              <a:t>10/05/2021</a:t>
             </a:fld>
             <a:endParaRPr lang="pt-PT"/>
           </a:p>
@@ -1434,7 +1435,7 @@
           <a:p>
             <a:fld id="{127B508D-DDF7-445B-A8A6-C9B46D86C9AA}" type="slidenum">
               <a:rPr lang="pt-PT" smtClean="0"/>
-              <a:t>‹#›</a:t>
+              <a:t>‹nº›</a:t>
             </a:fld>
             <a:endParaRPr lang="pt-PT"/>
           </a:p>
@@ -1578,7 +1579,7 @@
           <a:p>
             <a:fld id="{7F189B16-5084-424A-81CC-3EAFCCB721D7}" type="datetimeFigureOut">
               <a:rPr lang="pt-PT" smtClean="0"/>
-              <a:t>09/05/21</a:t>
+              <a:t>10/05/2021</a:t>
             </a:fld>
             <a:endParaRPr lang="pt-PT"/>
           </a:p>
@@ -1632,7 +1633,7 @@
           <a:p>
             <a:fld id="{127B508D-DDF7-445B-A8A6-C9B46D86C9AA}" type="slidenum">
               <a:rPr lang="pt-PT" smtClean="0"/>
-              <a:t>‹#›</a:t>
+              <a:t>‹nº›</a:t>
             </a:fld>
             <a:endParaRPr lang="pt-PT"/>
           </a:p>
@@ -1853,7 +1854,7 @@
           <a:p>
             <a:fld id="{7F189B16-5084-424A-81CC-3EAFCCB721D7}" type="datetimeFigureOut">
               <a:rPr lang="pt-PT" smtClean="0"/>
-              <a:t>09/05/21</a:t>
+              <a:t>10/05/2021</a:t>
             </a:fld>
             <a:endParaRPr lang="pt-PT"/>
           </a:p>
@@ -1907,7 +1908,7 @@
           <a:p>
             <a:fld id="{127B508D-DDF7-445B-A8A6-C9B46D86C9AA}" type="slidenum">
               <a:rPr lang="pt-PT" smtClean="0"/>
-              <a:t>‹#›</a:t>
+              <a:t>‹nº›</a:t>
             </a:fld>
             <a:endParaRPr lang="pt-PT"/>
           </a:p>
@@ -2118,7 +2119,7 @@
           <a:p>
             <a:fld id="{7F189B16-5084-424A-81CC-3EAFCCB721D7}" type="datetimeFigureOut">
               <a:rPr lang="pt-PT" smtClean="0"/>
-              <a:t>09/05/21</a:t>
+              <a:t>10/05/2021</a:t>
             </a:fld>
             <a:endParaRPr lang="pt-PT"/>
           </a:p>
@@ -2172,7 +2173,7 @@
           <a:p>
             <a:fld id="{127B508D-DDF7-445B-A8A6-C9B46D86C9AA}" type="slidenum">
               <a:rPr lang="pt-PT" smtClean="0"/>
-              <a:t>‹#›</a:t>
+              <a:t>‹nº›</a:t>
             </a:fld>
             <a:endParaRPr lang="pt-PT"/>
           </a:p>
@@ -2530,7 +2531,7 @@
           <a:p>
             <a:fld id="{7F189B16-5084-424A-81CC-3EAFCCB721D7}" type="datetimeFigureOut">
               <a:rPr lang="pt-PT" smtClean="0"/>
-              <a:t>09/05/21</a:t>
+              <a:t>10/05/2021</a:t>
             </a:fld>
             <a:endParaRPr lang="pt-PT"/>
           </a:p>
@@ -2584,7 +2585,7 @@
           <a:p>
             <a:fld id="{127B508D-DDF7-445B-A8A6-C9B46D86C9AA}" type="slidenum">
               <a:rPr lang="pt-PT" smtClean="0"/>
-              <a:t>‹#›</a:t>
+              <a:t>‹nº›</a:t>
             </a:fld>
             <a:endParaRPr lang="pt-PT"/>
           </a:p>
@@ -2671,7 +2672,7 @@
           <a:p>
             <a:fld id="{7F189B16-5084-424A-81CC-3EAFCCB721D7}" type="datetimeFigureOut">
               <a:rPr lang="pt-PT" smtClean="0"/>
-              <a:t>09/05/21</a:t>
+              <a:t>10/05/2021</a:t>
             </a:fld>
             <a:endParaRPr lang="pt-PT"/>
           </a:p>
@@ -2725,7 +2726,7 @@
           <a:p>
             <a:fld id="{127B508D-DDF7-445B-A8A6-C9B46D86C9AA}" type="slidenum">
               <a:rPr lang="pt-PT" smtClean="0"/>
-              <a:t>‹#›</a:t>
+              <a:t>‹nº›</a:t>
             </a:fld>
             <a:endParaRPr lang="pt-PT"/>
           </a:p>
@@ -2784,7 +2785,7 @@
           <a:p>
             <a:fld id="{7F189B16-5084-424A-81CC-3EAFCCB721D7}" type="datetimeFigureOut">
               <a:rPr lang="pt-PT" smtClean="0"/>
-              <a:t>09/05/21</a:t>
+              <a:t>10/05/2021</a:t>
             </a:fld>
             <a:endParaRPr lang="pt-PT"/>
           </a:p>
@@ -2838,7 +2839,7 @@
           <a:p>
             <a:fld id="{127B508D-DDF7-445B-A8A6-C9B46D86C9AA}" type="slidenum">
               <a:rPr lang="pt-PT" smtClean="0"/>
-              <a:t>‹#›</a:t>
+              <a:t>‹nº›</a:t>
             </a:fld>
             <a:endParaRPr lang="pt-PT"/>
           </a:p>
@@ -3095,7 +3096,7 @@
           <a:p>
             <a:fld id="{7F189B16-5084-424A-81CC-3EAFCCB721D7}" type="datetimeFigureOut">
               <a:rPr lang="pt-PT" smtClean="0"/>
-              <a:t>09/05/21</a:t>
+              <a:t>10/05/2021</a:t>
             </a:fld>
             <a:endParaRPr lang="pt-PT"/>
           </a:p>
@@ -3149,7 +3150,7 @@
           <a:p>
             <a:fld id="{127B508D-DDF7-445B-A8A6-C9B46D86C9AA}" type="slidenum">
               <a:rPr lang="pt-PT" smtClean="0"/>
-              <a:t>‹#›</a:t>
+              <a:t>‹nº›</a:t>
             </a:fld>
             <a:endParaRPr lang="pt-PT"/>
           </a:p>
@@ -3383,7 +3384,7 @@
           <a:p>
             <a:fld id="{7F189B16-5084-424A-81CC-3EAFCCB721D7}" type="datetimeFigureOut">
               <a:rPr lang="pt-PT" smtClean="0"/>
-              <a:t>09/05/21</a:t>
+              <a:t>10/05/2021</a:t>
             </a:fld>
             <a:endParaRPr lang="pt-PT"/>
           </a:p>
@@ -3437,7 +3438,7 @@
           <a:p>
             <a:fld id="{127B508D-DDF7-445B-A8A6-C9B46D86C9AA}" type="slidenum">
               <a:rPr lang="pt-PT" smtClean="0"/>
-              <a:t>‹#›</a:t>
+              <a:t>‹nº›</a:t>
             </a:fld>
             <a:endParaRPr lang="pt-PT"/>
           </a:p>
@@ -3624,7 +3625,7 @@
           <a:p>
             <a:fld id="{7F189B16-5084-424A-81CC-3EAFCCB721D7}" type="datetimeFigureOut">
               <a:rPr lang="pt-PT" smtClean="0"/>
-              <a:t>09/05/21</a:t>
+              <a:t>10/05/2021</a:t>
             </a:fld>
             <a:endParaRPr lang="pt-PT"/>
           </a:p>
@@ -3714,7 +3715,7 @@
           <a:p>
             <a:fld id="{127B508D-DDF7-445B-A8A6-C9B46D86C9AA}" type="slidenum">
               <a:rPr lang="pt-PT" smtClean="0"/>
-              <a:t>‹#›</a:t>
+              <a:t>‹nº›</a:t>
             </a:fld>
             <a:endParaRPr lang="pt-PT"/>
           </a:p>
@@ -4949,6 +4950,72 @@
 <file path=ppt/slides/slide6.xml><?xml version="1.0" encoding="utf-8"?>
 <p:sld xmlns:a="http://schemas.openxmlformats.org/drawingml/2006/main" xmlns:r="http://schemas.openxmlformats.org/officeDocument/2006/relationships" xmlns:p="http://schemas.openxmlformats.org/presentationml/2006/main">
   <p:cSld>
+    <p:spTree>
+      <p:nvGrpSpPr>
+        <p:cNvPr id="1" name=""/>
+        <p:cNvGrpSpPr/>
+        <p:nvPr/>
+      </p:nvGrpSpPr>
+      <p:grpSpPr>
+        <a:xfrm>
+          <a:off x="0" y="0"/>
+          <a:ext cx="0" cy="0"/>
+          <a:chOff x="0" y="0"/>
+          <a:chExt cx="0" cy="0"/>
+        </a:xfrm>
+      </p:grpSpPr>
+      <p:sp>
+        <p:nvSpPr>
+          <p:cNvPr id="9" name="CaixaDeTexto 8">
+            <a:extLst>
+              <a:ext uri="{FF2B5EF4-FFF2-40B4-BE49-F238E27FC236}">
+                <a16:creationId xmlns:a16="http://schemas.microsoft.com/office/drawing/2014/main" id="{E8E38FD6-F92D-4E69-8654-9B84686A2815}"/>
+              </a:ext>
+            </a:extLst>
+          </p:cNvPr>
+          <p:cNvSpPr txBox="1"/>
+          <p:nvPr/>
+        </p:nvSpPr>
+        <p:spPr>
+          <a:xfrm>
+            <a:off x="1036948" y="607872"/>
+            <a:ext cx="1286186" cy="400110"/>
+          </a:xfrm>
+          <a:prstGeom prst="rect">
+            <a:avLst/>
+          </a:prstGeom>
+          <a:noFill/>
+        </p:spPr>
+        <p:txBody>
+          <a:bodyPr wrap="none" rtlCol="0">
+            <a:spAutoFit/>
+          </a:bodyPr>
+          <a:lstStyle/>
+          <a:p>
+            <a:r>
+              <a:rPr lang="pt-PT" sz="2000" b="1" dirty="0"/>
+              <a:t>Exemplo 3</a:t>
+            </a:r>
+            <a:endParaRPr lang="pt-PT" b="1" dirty="0"/>
+          </a:p>
+        </p:txBody>
+      </p:sp>
+    </p:spTree>
+    <p:extLst>
+      <p:ext uri="{BB962C8B-B14F-4D97-AF65-F5344CB8AC3E}">
+        <p14:creationId xmlns:p14="http://schemas.microsoft.com/office/powerpoint/2010/main" val="2922599882"/>
+      </p:ext>
+    </p:extLst>
+  </p:cSld>
+  <p:clrMapOvr>
+    <a:masterClrMapping/>
+  </p:clrMapOvr>
+</p:sld>
+</file>
+
+<file path=ppt/slides/slide7.xml><?xml version="1.0" encoding="utf-8"?>
+<p:sld xmlns:a="http://schemas.openxmlformats.org/drawingml/2006/main" xmlns:r="http://schemas.openxmlformats.org/officeDocument/2006/relationships" xmlns:p="http://schemas.openxmlformats.org/presentationml/2006/main">
+  <p:cSld>
     <p:bg>
       <p:bgPr>
         <a:solidFill>
@@ -5291,7 +5358,7 @@
 </p:sld>
 </file>
 
-<file path=ppt/slides/slide7.xml><?xml version="1.0" encoding="utf-8"?>
+<file path=ppt/slides/slide8.xml><?xml version="1.0" encoding="utf-8"?>
 <p:sld xmlns:a="http://schemas.openxmlformats.org/drawingml/2006/main" xmlns:r="http://schemas.openxmlformats.org/officeDocument/2006/relationships" xmlns:p="http://schemas.openxmlformats.org/presentationml/2006/main">
   <p:cSld>
     <p:spTree>

--- a/TP1/apresentacao.pptx
+++ b/TP1/apresentacao.pptx
@@ -5000,6 +5000,66 @@
           </a:p>
         </p:txBody>
       </p:sp>
+      <p:pic>
+        <p:nvPicPr>
+          <p:cNvPr id="3" name="Imagem 2">
+            <a:extLst>
+              <a:ext uri="{FF2B5EF4-FFF2-40B4-BE49-F238E27FC236}">
+                <a16:creationId xmlns:a16="http://schemas.microsoft.com/office/drawing/2014/main" id="{9161E970-C2E6-4E1B-AA5D-D691E155A550}"/>
+              </a:ext>
+            </a:extLst>
+          </p:cNvPr>
+          <p:cNvPicPr>
+            <a:picLocks noChangeAspect="1"/>
+          </p:cNvPicPr>
+          <p:nvPr/>
+        </p:nvPicPr>
+        <p:blipFill>
+          <a:blip r:embed="rId2"/>
+          <a:stretch>
+            <a:fillRect/>
+          </a:stretch>
+        </p:blipFill>
+        <p:spPr>
+          <a:xfrm>
+            <a:off x="4083603" y="847725"/>
+            <a:ext cx="4216157" cy="2345998"/>
+          </a:xfrm>
+          <a:prstGeom prst="rect">
+            <a:avLst/>
+          </a:prstGeom>
+        </p:spPr>
+      </p:pic>
+      <p:pic>
+        <p:nvPicPr>
+          <p:cNvPr id="5" name="Imagem 4">
+            <a:extLst>
+              <a:ext uri="{FF2B5EF4-FFF2-40B4-BE49-F238E27FC236}">
+                <a16:creationId xmlns:a16="http://schemas.microsoft.com/office/drawing/2014/main" id="{3ABA1CF8-3CE4-49AB-8F38-92475920B099}"/>
+              </a:ext>
+            </a:extLst>
+          </p:cNvPr>
+          <p:cNvPicPr>
+            <a:picLocks noChangeAspect="1"/>
+          </p:cNvPicPr>
+          <p:nvPr/>
+        </p:nvPicPr>
+        <p:blipFill>
+          <a:blip r:embed="rId3"/>
+          <a:stretch>
+            <a:fillRect/>
+          </a:stretch>
+        </p:blipFill>
+        <p:spPr>
+          <a:xfrm>
+            <a:off x="3837661" y="3745932"/>
+            <a:ext cx="4216157" cy="2059555"/>
+          </a:xfrm>
+          <a:prstGeom prst="rect">
+            <a:avLst/>
+          </a:prstGeom>
+        </p:spPr>
+      </p:pic>
     </p:spTree>
     <p:extLst>
       <p:ext uri="{BB962C8B-B14F-4D97-AF65-F5344CB8AC3E}">
